--- a/Project/Presentation.pptx
+++ b/Project/Presentation.pptx
@@ -12,8 +12,8 @@
   </p:handoutMasterIdLst>
   <p:sldIdLst>
     <p:sldId id="256" r:id="rId2"/>
-    <p:sldId id="282" r:id="rId3"/>
-    <p:sldId id="259" r:id="rId4"/>
+    <p:sldId id="259" r:id="rId3"/>
+    <p:sldId id="282" r:id="rId4"/>
     <p:sldId id="269" r:id="rId5"/>
     <p:sldId id="260" r:id="rId6"/>
     <p:sldId id="257" r:id="rId7"/>
@@ -10992,6 +10992,197 @@
         <p:spPr>
           <a:xfrm>
             <a:off x="783770" y="172617"/>
+            <a:ext cx="11140751" cy="1143000"/>
+          </a:xfrm>
+        </p:spPr>
+        <p:txBody>
+          <a:bodyPr>
+            <a:normAutofit/>
+          </a:bodyPr>
+          <a:lstStyle/>
+          <a:p>
+            <a:pPr algn="ctr"/>
+            <a:r>
+              <a:rPr lang="en-US" b="1" dirty="0">
+                <a:solidFill>
+                  <a:schemeClr val="accent1">
+                    <a:lumMod val="75000"/>
+                  </a:schemeClr>
+                </a:solidFill>
+              </a:rPr>
+              <a:t>Objective </a:t>
+            </a:r>
+          </a:p>
+        </p:txBody>
+      </p:sp>
+      <p:sp>
+        <p:nvSpPr>
+          <p:cNvPr id="13" name="Footer Placeholder 12">
+            <a:extLst>
+              <a:ext uri="{FF2B5EF4-FFF2-40B4-BE49-F238E27FC236}">
+                <a16:creationId xmlns:a16="http://schemas.microsoft.com/office/drawing/2014/main" id="{9FBD541C-8AD4-4657-8395-2C1030F4BFB0}"/>
+              </a:ext>
+            </a:extLst>
+          </p:cNvPr>
+          <p:cNvSpPr>
+            <a:spLocks noGrp="1"/>
+          </p:cNvSpPr>
+          <p:nvPr>
+            <p:ph type="ftr" sz="quarter" idx="11"/>
+          </p:nvPr>
+        </p:nvSpPr>
+        <p:spPr/>
+        <p:txBody>
+          <a:bodyPr/>
+          <a:lstStyle/>
+          <a:p>
+            <a:r>
+              <a:rPr lang="en-US" dirty="0"/>
+              <a:t>By: Daniel Hunegnaw</a:t>
+            </a:r>
+          </a:p>
+        </p:txBody>
+      </p:sp>
+      <p:sp>
+        <p:nvSpPr>
+          <p:cNvPr id="8" name="TextBox 7">
+            <a:extLst>
+              <a:ext uri="{FF2B5EF4-FFF2-40B4-BE49-F238E27FC236}">
+                <a16:creationId xmlns:a16="http://schemas.microsoft.com/office/drawing/2014/main" id="{F6B3E624-F952-4F02-8843-603409CAD1FE}"/>
+              </a:ext>
+            </a:extLst>
+          </p:cNvPr>
+          <p:cNvSpPr txBox="1"/>
+          <p:nvPr/>
+        </p:nvSpPr>
+        <p:spPr>
+          <a:xfrm>
+            <a:off x="1686296" y="1840676"/>
+            <a:ext cx="9666513" cy="3170099"/>
+          </a:xfrm>
+          <a:prstGeom prst="rect">
+            <a:avLst/>
+          </a:prstGeom>
+          <a:noFill/>
+        </p:spPr>
+        <p:txBody>
+          <a:bodyPr wrap="square">
+            <a:spAutoFit/>
+          </a:bodyPr>
+          <a:lstStyle/>
+          <a:p>
+            <a:pPr marL="571500" indent="-571500">
+              <a:buFont typeface="Wingdings" panose="05000000000000000000" pitchFamily="2" charset="2"/>
+              <a:buChar char="§"/>
+            </a:pPr>
+            <a:r>
+              <a:rPr lang="en-US" sz="4000" dirty="0">
+                <a:latin typeface="Times New Roman" panose="02020603050405020304" pitchFamily="18" charset="0"/>
+                <a:ea typeface="Calibri" panose="020F0502020204030204" pitchFamily="34" charset="0"/>
+              </a:rPr>
+              <a:t>To</a:t>
+            </a:r>
+            <a:r>
+              <a:rPr lang="en-US" sz="4000" dirty="0">
+                <a:effectLst/>
+                <a:latin typeface="Times New Roman" panose="02020603050405020304" pitchFamily="18" charset="0"/>
+                <a:ea typeface="Calibri" panose="020F0502020204030204" pitchFamily="34" charset="0"/>
+              </a:rPr>
+              <a:t> present the design, and implementation of an Android mobile App called FallAlarm, which is used to detect when a person carrying the phone falls and alarms (sends SMS to</a:t>
+            </a:r>
+            <a:r>
+              <a:rPr lang="en-US" sz="4000" dirty="0">
+                <a:latin typeface="Times New Roman" panose="02020603050405020304" pitchFamily="18" charset="0"/>
+                <a:ea typeface="Calibri" panose="020F0502020204030204" pitchFamily="34" charset="0"/>
+              </a:rPr>
+              <a:t>) an emergency contact</a:t>
+            </a:r>
+            <a:endParaRPr lang="en-US" sz="4000" dirty="0"/>
+          </a:p>
+        </p:txBody>
+      </p:sp>
+      <p:sp>
+        <p:nvSpPr>
+          <p:cNvPr id="9" name="Date Placeholder 8">
+            <a:extLst>
+              <a:ext uri="{FF2B5EF4-FFF2-40B4-BE49-F238E27FC236}">
+                <a16:creationId xmlns:a16="http://schemas.microsoft.com/office/drawing/2014/main" id="{3B77A008-F636-43F3-8419-6CF668B97880}"/>
+              </a:ext>
+            </a:extLst>
+          </p:cNvPr>
+          <p:cNvSpPr>
+            <a:spLocks noGrp="1"/>
+          </p:cNvSpPr>
+          <p:nvPr>
+            <p:ph type="dt" sz="half" idx="10"/>
+          </p:nvPr>
+        </p:nvSpPr>
+        <p:spPr>
+          <a:xfrm>
+            <a:off x="11045717" y="6491408"/>
+            <a:ext cx="1146283" cy="370396"/>
+          </a:xfrm>
+        </p:spPr>
+        <p:txBody>
+          <a:bodyPr/>
+          <a:lstStyle/>
+          <a:p>
+            <a:r>
+              <a:rPr lang="en-US" dirty="0"/>
+              <a:t>August 2021</a:t>
+            </a:r>
+          </a:p>
+        </p:txBody>
+      </p:sp>
+    </p:spTree>
+    <p:extLst>
+      <p:ext uri="{BB962C8B-B14F-4D97-AF65-F5344CB8AC3E}">
+        <p14:creationId xmlns:p14="http://schemas.microsoft.com/office/powerpoint/2010/main" val="1631884924"/>
+      </p:ext>
+    </p:extLst>
+  </p:cSld>
+  <p:clrMapOvr>
+    <a:masterClrMapping/>
+  </p:clrMapOvr>
+</p:sld>
+</file>
+
+<file path=ppt/slides/slide3.xml><?xml version="1.0" encoding="utf-8"?>
+<p:sld xmlns:a="http://schemas.openxmlformats.org/drawingml/2006/main" xmlns:r="http://schemas.openxmlformats.org/officeDocument/2006/relationships" xmlns:p="http://schemas.openxmlformats.org/presentationml/2006/main">
+  <p:cSld>
+    <p:spTree>
+      <p:nvGrpSpPr>
+        <p:cNvPr id="1" name=""/>
+        <p:cNvGrpSpPr/>
+        <p:nvPr/>
+      </p:nvGrpSpPr>
+      <p:grpSpPr>
+        <a:xfrm>
+          <a:off x="0" y="0"/>
+          <a:ext cx="0" cy="0"/>
+          <a:chOff x="0" y="0"/>
+          <a:chExt cx="0" cy="0"/>
+        </a:xfrm>
+      </p:grpSpPr>
+      <p:sp>
+        <p:nvSpPr>
+          <p:cNvPr id="2" name="Title 1">
+            <a:extLst>
+              <a:ext uri="{FF2B5EF4-FFF2-40B4-BE49-F238E27FC236}">
+                <a16:creationId xmlns:a16="http://schemas.microsoft.com/office/drawing/2014/main" id="{317BB45A-0DB1-4B10-B4AE-C1F7057035B0}"/>
+              </a:ext>
+            </a:extLst>
+          </p:cNvPr>
+          <p:cNvSpPr>
+            <a:spLocks noGrp="1"/>
+          </p:cNvSpPr>
+          <p:nvPr>
+            <p:ph type="ctrTitle"/>
+          </p:nvPr>
+        </p:nvSpPr>
+        <p:spPr>
+          <a:xfrm>
+            <a:off x="783770" y="172617"/>
             <a:ext cx="11140751" cy="1396124"/>
           </a:xfrm>
         </p:spPr>
@@ -11679,205 +11870,6 @@
       </p:par>
     </p:tnLst>
   </p:timing>
-</p:sld>
-</file>
-
-<file path=ppt/slides/slide3.xml><?xml version="1.0" encoding="utf-8"?>
-<p:sld xmlns:a="http://schemas.openxmlformats.org/drawingml/2006/main" xmlns:r="http://schemas.openxmlformats.org/officeDocument/2006/relationships" xmlns:p="http://schemas.openxmlformats.org/presentationml/2006/main">
-  <p:cSld>
-    <p:spTree>
-      <p:nvGrpSpPr>
-        <p:cNvPr id="1" name=""/>
-        <p:cNvGrpSpPr/>
-        <p:nvPr/>
-      </p:nvGrpSpPr>
-      <p:grpSpPr>
-        <a:xfrm>
-          <a:off x="0" y="0"/>
-          <a:ext cx="0" cy="0"/>
-          <a:chOff x="0" y="0"/>
-          <a:chExt cx="0" cy="0"/>
-        </a:xfrm>
-      </p:grpSpPr>
-      <p:sp>
-        <p:nvSpPr>
-          <p:cNvPr id="2" name="Title 1">
-            <a:extLst>
-              <a:ext uri="{FF2B5EF4-FFF2-40B4-BE49-F238E27FC236}">
-                <a16:creationId xmlns:a16="http://schemas.microsoft.com/office/drawing/2014/main" id="{317BB45A-0DB1-4B10-B4AE-C1F7057035B0}"/>
-              </a:ext>
-            </a:extLst>
-          </p:cNvPr>
-          <p:cNvSpPr>
-            <a:spLocks noGrp="1"/>
-          </p:cNvSpPr>
-          <p:nvPr>
-            <p:ph type="ctrTitle"/>
-          </p:nvPr>
-        </p:nvSpPr>
-        <p:spPr>
-          <a:xfrm>
-            <a:off x="783770" y="172617"/>
-            <a:ext cx="11140751" cy="1143000"/>
-          </a:xfrm>
-        </p:spPr>
-        <p:txBody>
-          <a:bodyPr>
-            <a:normAutofit/>
-          </a:bodyPr>
-          <a:lstStyle/>
-          <a:p>
-            <a:pPr algn="ctr"/>
-            <a:r>
-              <a:rPr lang="en-US" b="1" dirty="0">
-                <a:solidFill>
-                  <a:schemeClr val="accent1">
-                    <a:lumMod val="75000"/>
-                  </a:schemeClr>
-                </a:solidFill>
-              </a:rPr>
-              <a:t>Objective </a:t>
-            </a:r>
-          </a:p>
-        </p:txBody>
-      </p:sp>
-      <p:sp>
-        <p:nvSpPr>
-          <p:cNvPr id="13" name="Footer Placeholder 12">
-            <a:extLst>
-              <a:ext uri="{FF2B5EF4-FFF2-40B4-BE49-F238E27FC236}">
-                <a16:creationId xmlns:a16="http://schemas.microsoft.com/office/drawing/2014/main" id="{9FBD541C-8AD4-4657-8395-2C1030F4BFB0}"/>
-              </a:ext>
-            </a:extLst>
-          </p:cNvPr>
-          <p:cNvSpPr>
-            <a:spLocks noGrp="1"/>
-          </p:cNvSpPr>
-          <p:nvPr>
-            <p:ph type="ftr" sz="quarter" idx="11"/>
-          </p:nvPr>
-        </p:nvSpPr>
-        <p:spPr/>
-        <p:txBody>
-          <a:bodyPr/>
-          <a:lstStyle/>
-          <a:p>
-            <a:r>
-              <a:rPr lang="en-US" dirty="0"/>
-              <a:t>By: Daniel Hunegnaw</a:t>
-            </a:r>
-          </a:p>
-        </p:txBody>
-      </p:sp>
-      <p:sp>
-        <p:nvSpPr>
-          <p:cNvPr id="8" name="TextBox 7">
-            <a:extLst>
-              <a:ext uri="{FF2B5EF4-FFF2-40B4-BE49-F238E27FC236}">
-                <a16:creationId xmlns:a16="http://schemas.microsoft.com/office/drawing/2014/main" id="{F6B3E624-F952-4F02-8843-603409CAD1FE}"/>
-              </a:ext>
-            </a:extLst>
-          </p:cNvPr>
-          <p:cNvSpPr txBox="1"/>
-          <p:nvPr/>
-        </p:nvSpPr>
-        <p:spPr>
-          <a:xfrm>
-            <a:off x="1686296" y="1840676"/>
-            <a:ext cx="9666513" cy="3170099"/>
-          </a:xfrm>
-          <a:prstGeom prst="rect">
-            <a:avLst/>
-          </a:prstGeom>
-          <a:noFill/>
-        </p:spPr>
-        <p:txBody>
-          <a:bodyPr wrap="square">
-            <a:spAutoFit/>
-          </a:bodyPr>
-          <a:lstStyle/>
-          <a:p>
-            <a:pPr marL="571500" indent="-571500">
-              <a:buFont typeface="Wingdings" panose="05000000000000000000" pitchFamily="2" charset="2"/>
-              <a:buChar char="§"/>
-            </a:pPr>
-            <a:r>
-              <a:rPr lang="en-US" sz="4000" dirty="0">
-                <a:latin typeface="Times New Roman" panose="02020603050405020304" pitchFamily="18" charset="0"/>
-                <a:ea typeface="Calibri" panose="020F0502020204030204" pitchFamily="34" charset="0"/>
-              </a:rPr>
-              <a:t>To</a:t>
-            </a:r>
-            <a:r>
-              <a:rPr lang="en-US" sz="4000" dirty="0">
-                <a:effectLst/>
-                <a:latin typeface="Times New Roman" panose="02020603050405020304" pitchFamily="18" charset="0"/>
-                <a:ea typeface="Calibri" panose="020F0502020204030204" pitchFamily="34" charset="0"/>
-              </a:rPr>
-              <a:t> present the design, and implementation of an Android mobile App called FallAlarm, which is used to detect when a person carrying the phone falls and alarm (send </a:t>
-            </a:r>
-            <a:r>
-              <a:rPr lang="en-US" sz="4000" dirty="0" err="1">
-                <a:effectLst/>
-                <a:latin typeface="Times New Roman" panose="02020603050405020304" pitchFamily="18" charset="0"/>
-                <a:ea typeface="Calibri" panose="020F0502020204030204" pitchFamily="34" charset="0"/>
-              </a:rPr>
-              <a:t>sms</a:t>
-            </a:r>
-            <a:r>
-              <a:rPr lang="en-US" sz="4000" dirty="0">
-                <a:latin typeface="Times New Roman" panose="02020603050405020304" pitchFamily="18" charset="0"/>
-                <a:ea typeface="Calibri" panose="020F0502020204030204" pitchFamily="34" charset="0"/>
-              </a:rPr>
-              <a:t>) to an emergency contact</a:t>
-            </a:r>
-            <a:endParaRPr lang="en-US" sz="4000" dirty="0"/>
-          </a:p>
-        </p:txBody>
-      </p:sp>
-      <p:sp>
-        <p:nvSpPr>
-          <p:cNvPr id="9" name="Date Placeholder 8">
-            <a:extLst>
-              <a:ext uri="{FF2B5EF4-FFF2-40B4-BE49-F238E27FC236}">
-                <a16:creationId xmlns:a16="http://schemas.microsoft.com/office/drawing/2014/main" id="{3B77A008-F636-43F3-8419-6CF668B97880}"/>
-              </a:ext>
-            </a:extLst>
-          </p:cNvPr>
-          <p:cNvSpPr>
-            <a:spLocks noGrp="1"/>
-          </p:cNvSpPr>
-          <p:nvPr>
-            <p:ph type="dt" sz="half" idx="10"/>
-          </p:nvPr>
-        </p:nvSpPr>
-        <p:spPr>
-          <a:xfrm>
-            <a:off x="11045717" y="6491408"/>
-            <a:ext cx="1146283" cy="370396"/>
-          </a:xfrm>
-        </p:spPr>
-        <p:txBody>
-          <a:bodyPr/>
-          <a:lstStyle/>
-          <a:p>
-            <a:r>
-              <a:rPr lang="en-US" dirty="0"/>
-              <a:t>August 2021</a:t>
-            </a:r>
-          </a:p>
-        </p:txBody>
-      </p:sp>
-    </p:spTree>
-    <p:extLst>
-      <p:ext uri="{BB962C8B-B14F-4D97-AF65-F5344CB8AC3E}">
-        <p14:creationId xmlns:p14="http://schemas.microsoft.com/office/powerpoint/2010/main" val="1631884924"/>
-      </p:ext>
-    </p:extLst>
-  </p:cSld>
-  <p:clrMapOvr>
-    <a:masterClrMapping/>
-  </p:clrMapOvr>
 </p:sld>
 </file>
 

--- a/Project/Presentation.pptx
+++ b/Project/Presentation.pptx
@@ -2449,7 +2449,7 @@
           <a:p>
             <a:fld id="{6FB92C5A-E4F1-491B-AAD1-00E5FB3040DF}" type="datetimeFigureOut">
               <a:rPr lang="en-US" smtClean="0"/>
-              <a:t>8/17/2021</a:t>
+              <a:t>8/18/2021</a:t>
             </a:fld>
             <a:endParaRPr lang="en-US"/>
           </a:p>
@@ -2627,7 +2627,7 @@
           <a:p>
             <a:fld id="{749F9278-AC5C-42F3-B9CA-B596DABDAFA7}" type="datetimeFigureOut">
               <a:rPr lang="en-US" smtClean="0"/>
-              <a:t>8/17/2021</a:t>
+              <a:t>8/18/2021</a:t>
             </a:fld>
             <a:endParaRPr lang="en-US"/>
           </a:p>
@@ -11982,35 +11982,6 @@
       </p:sp>
       <p:sp>
         <p:nvSpPr>
-          <p:cNvPr id="7" name="Date Placeholder 6">
-            <a:extLst>
-              <a:ext uri="{FF2B5EF4-FFF2-40B4-BE49-F238E27FC236}">
-                <a16:creationId xmlns:a16="http://schemas.microsoft.com/office/drawing/2014/main" id="{6E9536B1-8863-4613-AD96-FEFB38AAC19E}"/>
-              </a:ext>
-            </a:extLst>
-          </p:cNvPr>
-          <p:cNvSpPr>
-            <a:spLocks noGrp="1"/>
-          </p:cNvSpPr>
-          <p:nvPr>
-            <p:ph type="dt" sz="half" idx="10"/>
-          </p:nvPr>
-        </p:nvSpPr>
-        <p:spPr/>
-        <p:txBody>
-          <a:bodyPr/>
-          <a:lstStyle/>
-          <a:p>
-            <a:r>
-              <a:rPr lang="en-US"/>
-              <a:t>March 2021</a:t>
-            </a:r>
-            <a:endParaRPr lang="en-US" dirty="0"/>
-          </a:p>
-        </p:txBody>
-      </p:sp>
-      <p:sp>
-        <p:nvSpPr>
           <p:cNvPr id="3" name="TextBox 2">
             <a:extLst>
               <a:ext uri="{FF2B5EF4-FFF2-40B4-BE49-F238E27FC236}">
@@ -12233,6 +12204,39 @@
               <a:t>Walk Fall</a:t>
             </a:r>
             <a:endParaRPr lang="en-US" dirty="0"/>
+          </a:p>
+        </p:txBody>
+      </p:sp>
+      <p:sp>
+        <p:nvSpPr>
+          <p:cNvPr id="8" name="Date Placeholder 8">
+            <a:extLst>
+              <a:ext uri="{FF2B5EF4-FFF2-40B4-BE49-F238E27FC236}">
+                <a16:creationId xmlns:a16="http://schemas.microsoft.com/office/drawing/2014/main" id="{C8ED7AAF-0FBA-462C-A70A-381C7C3FA76B}"/>
+              </a:ext>
+            </a:extLst>
+          </p:cNvPr>
+          <p:cNvSpPr>
+            <a:spLocks noGrp="1"/>
+          </p:cNvSpPr>
+          <p:nvPr>
+            <p:ph type="dt" sz="half" idx="10"/>
+          </p:nvPr>
+        </p:nvSpPr>
+        <p:spPr>
+          <a:xfrm>
+            <a:off x="11045717" y="6491408"/>
+            <a:ext cx="1146283" cy="370396"/>
+          </a:xfrm>
+        </p:spPr>
+        <p:txBody>
+          <a:bodyPr/>
+          <a:lstStyle/>
+          <a:p>
+            <a:r>
+              <a:rPr lang="en-US" dirty="0"/>
+              <a:t>August 2021</a:t>
+            </a:r>
           </a:p>
         </p:txBody>
       </p:sp>
